--- a/docs/PASSWORD HASHING AND SALTING.pptx
+++ b/docs/PASSWORD HASHING AND SALTING.pptx
@@ -111,6 +111,11 @@
       </a:defRPr>
     </a:lvl9pPr>
   </p:defaultTextStyle>
+  <p:extLst>
+    <p:ext uri="{EFAFB233-063F-42B5-8137-9DF3F51BA10A}">
+      <p15:sldGuideLst xmlns:p15="http://schemas.microsoft.com/office/powerpoint/2012/main"/>
+    </p:ext>
+  </p:extLst>
 </p:presentation>
 </file>
 
@@ -5324,9 +5329,16 @@
           <a:p>
             <a:r>
               <a:rPr lang="en-US" dirty="0" smtClean="0"/>
-              <a:t>An evolution of how passwords are secure</a:t>
-            </a:r>
-            <a:endParaRPr lang="en-US" dirty="0"/>
+              <a:t>An evolution of how passwords </a:t>
+            </a:r>
+            <a:r>
+              <a:rPr lang="en-US" smtClean="0"/>
+              <a:t>are </a:t>
+            </a:r>
+            <a:r>
+              <a:rPr lang="en-US" smtClean="0"/>
+              <a:t>protected</a:t>
+            </a:r>
           </a:p>
         </p:txBody>
       </p:sp>
@@ -5741,7 +5753,6 @@
               <a:rPr lang="en-US" dirty="0"/>
               <a:t>, to the password before hashing.</a:t>
             </a:r>
-            <a:endParaRPr lang="en-US" dirty="0"/>
           </a:p>
         </p:txBody>
       </p:sp>
@@ -5862,7 +5873,6 @@
               <a:rPr lang="en-US" dirty="0"/>
               <a:t>to make the hash function slow enough to impede attacks, but still fast enough to not cause a noticeable delay for the user.</a:t>
             </a:r>
-            <a:endParaRPr lang="en-US" dirty="0"/>
           </a:p>
         </p:txBody>
       </p:sp>
@@ -5991,7 +6001,6 @@
               <a:rPr lang="en-US" dirty="0"/>
               <a:t>you generate a random key and store it in a file that isn't accessible from the web, and include it into the salted hashes, then the hashes won't be vulnerable if your database is breached using a simple SQL injection attack. </a:t>
             </a:r>
-            <a:endParaRPr lang="en-US" dirty="0"/>
           </a:p>
         </p:txBody>
       </p:sp>
